--- a/PlanetMinion.pptx
+++ b/PlanetMinion.pptx
@@ -1620,7 +1620,7 @@
                 <a:spcPct val="100000"/>
               </a:lnSpc>
             </a:pPr>
-            <a:fld id="{B9668BA2-847A-48B7-9B1C-5CDE5F8E2A6D}" type="slidenum">
+            <a:fld id="{E39859EE-3D1A-4B0E-9BA0-DD40F41F94AB}" type="slidenum">
               <a:rPr b="0" lang="en-IN" sz="1400" spc="-1" strike="noStrike">
                 <a:solidFill>
                   <a:srgbClr val="000000"/>
@@ -1633,7 +1633,7 @@
                 <a:latin typeface="Arial"/>
                 <a:ea typeface="Arial"/>
               </a:rPr>
-              <a:t>1</a:t>
+              <a:t>&lt;number&gt;</a:t>
             </a:fld>
             <a:endParaRPr b="0" lang="en-IN" sz="1400" spc="-1" strike="noStrike">
               <a:solidFill>
@@ -2072,6 +2072,33 @@
       </p:sp>
     </p:spTree>
   </p:cSld>
+  <p:timing>
+    <p:tnLst>
+      <p:par>
+        <p:cTn id="1" dur="indefinite" restart="never" nodeType="tmRoot">
+          <p:childTnLst>
+            <p:seq>
+              <p:cTn id="2" nodeType="mainSeq"/>
+              <p:prevCondLst>
+                <p:cond delay="0" evt="onPrev">
+                  <p:tgtEl>
+                    <p:sldTgt/>
+                  </p:tgtEl>
+                </p:cond>
+              </p:prevCondLst>
+              <p:nextCondLst>
+                <p:cond delay="0" evt="onNext">
+                  <p:tgtEl>
+                    <p:sldTgt/>
+                  </p:tgtEl>
+                </p:cond>
+              </p:nextCondLst>
+            </p:seq>
+          </p:childTnLst>
+        </p:cTn>
+      </p:par>
+    </p:tnLst>
+  </p:timing>
 </p:sld>
 </file>
 
@@ -2134,7 +2161,22 @@
                 <a:latin typeface="Playfair Display"/>
                 <a:ea typeface="Playfair Display"/>
               </a:rPr>
-              <a:t>Nikita Agarwal</a:t>
+              <a:t>Nikita </a:t>
+            </a:r>
+            <a:r>
+              <a:rPr b="1" lang="en-IN" sz="6000" spc="-1" strike="noStrike">
+                <a:solidFill>
+                  <a:srgbClr val="000000"/>
+                </a:solidFill>
+                <a:uFill>
+                  <a:solidFill>
+                    <a:srgbClr val="ffffff"/>
+                  </a:solidFill>
+                </a:uFill>
+                <a:latin typeface="Playfair Display"/>
+                <a:ea typeface="Playfair Display"/>
+              </a:rPr>
+              <a:t>Agarwal</a:t>
             </a:r>
             <a:r>
               <a:rPr b="1" lang="en-IN" sz="6000" spc="-1" strike="noStrike">
@@ -2165,7 +2207,22 @@
                 <a:latin typeface="Playfair Display"/>
                 <a:ea typeface="Playfair Display"/>
               </a:rPr>
-              <a:t>Eavanshi Arora</a:t>
+              <a:t>Eavanshi </a:t>
+            </a:r>
+            <a:r>
+              <a:rPr b="1" lang="en-IN" sz="6000" spc="-1" strike="noStrike">
+                <a:solidFill>
+                  <a:srgbClr val="000000"/>
+                </a:solidFill>
+                <a:uFill>
+                  <a:solidFill>
+                    <a:srgbClr val="ffffff"/>
+                  </a:solidFill>
+                </a:uFill>
+                <a:latin typeface="Playfair Display"/>
+                <a:ea typeface="Playfair Display"/>
+              </a:rPr>
+              <a:t>Arora</a:t>
             </a:r>
             <a:endParaRPr b="0" lang="en-IN" sz="1400" spc="-1" strike="noStrike">
               <a:solidFill>
@@ -2241,6 +2298,36 @@
       </p:sp>
     </p:spTree>
   </p:cSld>
+  <p:transition spd="slow">
+    <p:pull dir="d"/>
+  </p:transition>
+  <p:timing>
+    <p:tnLst>
+      <p:par>
+        <p:cTn id="3" dur="indefinite" restart="never" nodeType="tmRoot">
+          <p:childTnLst>
+            <p:seq>
+              <p:cTn id="4" nodeType="mainSeq"/>
+              <p:prevCondLst>
+                <p:cond delay="0" evt="onPrev">
+                  <p:tgtEl>
+                    <p:sldTgt/>
+                  </p:tgtEl>
+                </p:cond>
+              </p:prevCondLst>
+              <p:nextCondLst>
+                <p:cond delay="0" evt="onNext">
+                  <p:tgtEl>
+                    <p:sldTgt/>
+                  </p:tgtEl>
+                </p:cond>
+              </p:nextCondLst>
+            </p:seq>
+          </p:childTnLst>
+        </p:cTn>
+      </p:par>
+    </p:tnLst>
+  </p:timing>
 </p:sld>
 </file>
 
